--- a/files/SeattleGiveCamp2016.pptx
+++ b/files/SeattleGiveCamp2016.pptx
@@ -5,17 +5,18 @@
     <p:sldMasterId id="2147483744" r:id="rId1"/>
   </p:sldMasterIdLst>
   <p:notesMasterIdLst>
-    <p:notesMasterId r:id="rId10"/>
+    <p:notesMasterId r:id="rId11"/>
   </p:notesMasterIdLst>
   <p:sldIdLst>
     <p:sldId id="256" r:id="rId2"/>
     <p:sldId id="257" r:id="rId3"/>
     <p:sldId id="264" r:id="rId4"/>
-    <p:sldId id="258" r:id="rId5"/>
-    <p:sldId id="265" r:id="rId6"/>
-    <p:sldId id="259" r:id="rId7"/>
-    <p:sldId id="266" r:id="rId8"/>
-    <p:sldId id="263" r:id="rId9"/>
+    <p:sldId id="267" r:id="rId5"/>
+    <p:sldId id="258" r:id="rId6"/>
+    <p:sldId id="265" r:id="rId7"/>
+    <p:sldId id="259" r:id="rId8"/>
+    <p:sldId id="266" r:id="rId9"/>
+    <p:sldId id="263" r:id="rId10"/>
   </p:sldIdLst>
   <p:sldSz cx="9144000" cy="6858000" type="screen4x3"/>
   <p:notesSz cx="6858000" cy="9144000"/>
@@ -215,7 +216,7 @@
           <a:p>
             <a:fld id="{7220095A-64BE-4552-B7E7-FBA1984A2D7E}" type="datetimeFigureOut">
               <a:rPr lang="en-US" smtClean="0"/>
-              <a:t>7/26/2016</a:t>
+              <a:t>8/23/2016</a:t>
             </a:fld>
             <a:endParaRPr lang="en-US"/>
           </a:p>
@@ -799,7 +800,7 @@
           <a:p>
             <a:fld id="{5ACC610C-FEBA-46D8-B87E-DC70B40338AA}" type="slidenum">
               <a:rPr lang="en-US" smtClean="0"/>
-              <a:t>4</a:t>
+              <a:t>5</a:t>
             </a:fld>
             <a:endParaRPr lang="en-US"/>
           </a:p>
@@ -883,7 +884,7 @@
           <a:p>
             <a:fld id="{5ACC610C-FEBA-46D8-B87E-DC70B40338AA}" type="slidenum">
               <a:rPr lang="en-US" smtClean="0"/>
-              <a:t>5</a:t>
+              <a:t>6</a:t>
             </a:fld>
             <a:endParaRPr lang="en-US"/>
           </a:p>
@@ -967,7 +968,7 @@
           <a:p>
             <a:fld id="{5ACC610C-FEBA-46D8-B87E-DC70B40338AA}" type="slidenum">
               <a:rPr lang="en-US" smtClean="0"/>
-              <a:t>6</a:t>
+              <a:t>7</a:t>
             </a:fld>
             <a:endParaRPr lang="en-US"/>
           </a:p>
@@ -1051,7 +1052,7 @@
           <a:p>
             <a:fld id="{5ACC610C-FEBA-46D8-B87E-DC70B40338AA}" type="slidenum">
               <a:rPr lang="en-US" smtClean="0"/>
-              <a:t>7</a:t>
+              <a:t>8</a:t>
             </a:fld>
             <a:endParaRPr lang="en-US"/>
           </a:p>
@@ -1135,7 +1136,7 @@
           <a:p>
             <a:fld id="{5ACC610C-FEBA-46D8-B87E-DC70B40338AA}" type="slidenum">
               <a:rPr lang="en-US" smtClean="0"/>
-              <a:t>8</a:t>
+              <a:t>9</a:t>
             </a:fld>
             <a:endParaRPr lang="en-US"/>
           </a:p>
@@ -1188,7 +1189,7 @@
           <a:p>
             <a:fld id="{0ED9E399-8C23-41B1-9514-0E101BB1CB58}" type="datetimeFigureOut">
               <a:rPr lang="en-US" smtClean="0"/>
-              <a:t>7/26/2016</a:t>
+              <a:t>8/23/2016</a:t>
             </a:fld>
             <a:endParaRPr lang="en-US"/>
           </a:p>
@@ -1636,7 +1637,7 @@
           <a:p>
             <a:fld id="{0ED9E399-8C23-41B1-9514-0E101BB1CB58}" type="datetimeFigureOut">
               <a:rPr lang="en-US" smtClean="0"/>
-              <a:t>7/26/2016</a:t>
+              <a:t>8/23/2016</a:t>
             </a:fld>
             <a:endParaRPr lang="en-US"/>
           </a:p>
@@ -1810,7 +1811,7 @@
           <a:p>
             <a:fld id="{0ED9E399-8C23-41B1-9514-0E101BB1CB58}" type="datetimeFigureOut">
               <a:rPr lang="en-US" smtClean="0"/>
-              <a:t>7/26/2016</a:t>
+              <a:t>8/23/2016</a:t>
             </a:fld>
             <a:endParaRPr lang="en-US"/>
           </a:p>
@@ -1974,7 +1975,7 @@
           <a:p>
             <a:fld id="{0ED9E399-8C23-41B1-9514-0E101BB1CB58}" type="datetimeFigureOut">
               <a:rPr lang="en-US" smtClean="0"/>
-              <a:t>7/26/2016</a:t>
+              <a:t>8/23/2016</a:t>
             </a:fld>
             <a:endParaRPr lang="en-US"/>
           </a:p>
@@ -3421,7 +3422,7 @@
           <a:p>
             <a:fld id="{0ED9E399-8C23-41B1-9514-0E101BB1CB58}" type="datetimeFigureOut">
               <a:rPr lang="en-US" smtClean="0"/>
-              <a:t>7/26/2016</a:t>
+              <a:t>8/23/2016</a:t>
             </a:fld>
             <a:endParaRPr lang="en-US"/>
           </a:p>
@@ -3999,7 +4000,7 @@
           <a:p>
             <a:fld id="{0ED9E399-8C23-41B1-9514-0E101BB1CB58}" type="datetimeFigureOut">
               <a:rPr lang="en-US" smtClean="0"/>
-              <a:t>7/26/2016</a:t>
+              <a:t>8/23/2016</a:t>
             </a:fld>
             <a:endParaRPr lang="en-US"/>
           </a:p>
@@ -4427,7 +4428,7 @@
           <a:p>
             <a:fld id="{0ED9E399-8C23-41B1-9514-0E101BB1CB58}" type="datetimeFigureOut">
               <a:rPr lang="en-US" smtClean="0"/>
-              <a:t>7/26/2016</a:t>
+              <a:t>8/23/2016</a:t>
             </a:fld>
             <a:endParaRPr lang="en-US"/>
           </a:p>
@@ -4963,7 +4964,7 @@
           <a:p>
             <a:fld id="{0ED9E399-8C23-41B1-9514-0E101BB1CB58}" type="datetimeFigureOut">
               <a:rPr lang="en-US" smtClean="0"/>
-              <a:t>7/26/2016</a:t>
+              <a:t>8/23/2016</a:t>
             </a:fld>
             <a:endParaRPr lang="en-US"/>
           </a:p>
@@ -5053,7 +5054,7 @@
           <a:p>
             <a:fld id="{0ED9E399-8C23-41B1-9514-0E101BB1CB58}" type="datetimeFigureOut">
               <a:rPr lang="en-US" smtClean="0"/>
-              <a:t>7/26/2016</a:t>
+              <a:t>8/23/2016</a:t>
             </a:fld>
             <a:endParaRPr lang="en-US"/>
           </a:p>
@@ -5300,7 +5301,7 @@
           <a:p>
             <a:fld id="{0ED9E399-8C23-41B1-9514-0E101BB1CB58}" type="datetimeFigureOut">
               <a:rPr lang="en-US" smtClean="0"/>
-              <a:t>7/26/2016</a:t>
+              <a:t>8/23/2016</a:t>
             </a:fld>
             <a:endParaRPr lang="en-US"/>
           </a:p>
@@ -6011,7 +6012,7 @@
           <a:p>
             <a:fld id="{0ED9E399-8C23-41B1-9514-0E101BB1CB58}" type="datetimeFigureOut">
               <a:rPr lang="en-US" smtClean="0"/>
-              <a:t>7/26/2016</a:t>
+              <a:t>8/23/2016</a:t>
             </a:fld>
             <a:endParaRPr lang="en-US"/>
           </a:p>
@@ -6418,7 +6419,7 @@
           <a:p>
             <a:fld id="{0ED9E399-8C23-41B1-9514-0E101BB1CB58}" type="datetimeFigureOut">
               <a:rPr lang="en-US" smtClean="0"/>
-              <a:t>7/26/2016</a:t>
+              <a:t>8/23/2016</a:t>
             </a:fld>
             <a:endParaRPr lang="en-US"/>
           </a:p>
@@ -7111,43 +7112,62 @@
       </p:sp>
       <p:pic>
         <p:nvPicPr>
-          <p:cNvPr id="1027" name="Picture 3" descr="D:\SeattleGiveCamp\seattle_givecamp_JanPics\Seattle GiveCamp-6.jpg"/>
+          <p:cNvPr id="2" name="Picture 1"/>
           <p:cNvPicPr>
-            <a:picLocks noChangeAspect="1" noChangeArrowheads="1"/>
+            <a:picLocks noChangeAspect="1"/>
           </p:cNvPicPr>
           <p:nvPr/>
         </p:nvPicPr>
         <p:blipFill>
-          <a:blip r:embed="rId3" cstate="print">
+          <a:blip r:embed="rId3">
             <a:extLst>
               <a:ext uri="{28A0092B-C50C-407E-A947-70E740481C1C}">
                 <a14:useLocalDpi xmlns:a14="http://schemas.microsoft.com/office/drawing/2010/main" val="0"/>
               </a:ext>
             </a:extLst>
           </a:blip>
-          <a:srcRect/>
           <a:stretch>
             <a:fillRect/>
           </a:stretch>
         </p:blipFill>
-        <p:spPr bwMode="auto">
+        <p:spPr>
           <a:xfrm>
-            <a:off x="-3603625" y="-612775"/>
-            <a:ext cx="13069888" cy="8680450"/>
+            <a:off x="3810000" y="3302000"/>
+            <a:ext cx="5334000" cy="3556000"/>
           </a:xfrm>
           <a:prstGeom prst="rect">
             <a:avLst/>
           </a:prstGeom>
-          <a:noFill/>
-          <a:extLst>
-            <a:ext uri="{909E8E84-426E-40DD-AFC4-6F175D3DCCD1}">
-              <a14:hiddenFill xmlns:a14="http://schemas.microsoft.com/office/drawing/2010/main">
-                <a:solidFill>
-                  <a:srgbClr val="FFFFFF"/>
-                </a:solidFill>
-              </a14:hiddenFill>
-            </a:ext>
-          </a:extLst>
+        </p:spPr>
+      </p:pic>
+      <p:pic>
+        <p:nvPicPr>
+          <p:cNvPr id="3" name="Picture 2"/>
+          <p:cNvPicPr>
+            <a:picLocks noChangeAspect="1"/>
+          </p:cNvPicPr>
+          <p:nvPr/>
+        </p:nvPicPr>
+        <p:blipFill>
+          <a:blip r:embed="rId4">
+            <a:extLst>
+              <a:ext uri="{28A0092B-C50C-407E-A947-70E740481C1C}">
+                <a14:useLocalDpi xmlns:a14="http://schemas.microsoft.com/office/drawing/2010/main" val="0"/>
+              </a:ext>
+            </a:extLst>
+          </a:blip>
+          <a:stretch>
+            <a:fillRect/>
+          </a:stretch>
+        </p:blipFill>
+        <p:spPr>
+          <a:xfrm>
+            <a:off x="0" y="0"/>
+            <a:ext cx="4953000" cy="3302000"/>
+          </a:xfrm>
+          <a:prstGeom prst="rect">
+            <a:avLst/>
+          </a:prstGeom>
         </p:spPr>
       </p:pic>
     </p:spTree>
@@ -7190,155 +7210,538 @@
             <p:ph type="title"/>
           </p:nvPr>
         </p:nvSpPr>
-        <p:spPr/>
-        <p:txBody>
-          <a:bodyPr/>
-          <a:lstStyle/>
-          <a:p>
-            <a:r>
-              <a:rPr lang="en-US" dirty="0"/>
-              <a:t>Who Do We Need?</a:t>
-            </a:r>
-          </a:p>
-        </p:txBody>
-      </p:sp>
-      <p:sp>
-        <p:nvSpPr>
-          <p:cNvPr id="3" name="Content Placeholder 2"/>
-          <p:cNvSpPr>
-            <a:spLocks noGrp="1"/>
-          </p:cNvSpPr>
-          <p:nvPr>
-            <p:ph idx="1"/>
-          </p:nvPr>
-        </p:nvSpPr>
         <p:spPr>
           <a:xfrm>
-            <a:off x="762000" y="1371600"/>
-            <a:ext cx="8229600" cy="4983960"/>
-          </a:xfrm>
+            <a:off x="381000" y="512064"/>
+            <a:ext cx="8305800" cy="707136"/>
+          </a:xfrm>
+        </p:spPr>
+        <p:txBody>
+          <a:bodyPr/>
+          <a:lstStyle/>
+          <a:p>
+            <a:r>
+              <a:rPr lang="en-US" dirty="0"/>
+              <a:t>Who Do We Help?</a:t>
+            </a:r>
+          </a:p>
+        </p:txBody>
+      </p:sp>
+      <p:sp>
+        <p:nvSpPr>
+          <p:cNvPr id="3" name="Content Placeholder 2"/>
+          <p:cNvSpPr txBox="1">
+            <a:spLocks/>
+          </p:cNvSpPr>
+          <p:nvPr/>
+        </p:nvSpPr>
+        <p:spPr>
+          <a:xfrm>
+            <a:off x="304800" y="1371600"/>
+            <a:ext cx="8686800" cy="609600"/>
+          </a:xfrm>
+          <a:prstGeom prst="rect">
+            <a:avLst/>
+          </a:prstGeom>
         </p:spPr>
         <p:txBody>
           <a:bodyPr>
-            <a:normAutofit fontScale="85000" lnSpcReduction="20000"/>
+            <a:normAutofit fontScale="92500"/>
           </a:bodyPr>
-          <a:lstStyle/>
-          <a:p>
+          <a:lstStyle>
+            <a:lvl1pPr marL="411480" indent="-342900" algn="l" rtl="0" eaLnBrk="1" latinLnBrk="0" hangingPunct="1">
+              <a:spcBef>
+                <a:spcPts val="700"/>
+              </a:spcBef>
+              <a:buClr>
+                <a:schemeClr val="tx2"/>
+              </a:buClr>
+              <a:buSzPct val="95000"/>
+              <a:buFont typeface="Wingdings"/>
+              <a:buChar char=""/>
+              <a:defRPr kumimoji="0" sz="3000" kern="1200">
+                <a:solidFill>
+                  <a:schemeClr val="tx1"/>
+                </a:solidFill>
+                <a:latin typeface="+mn-lt"/>
+                <a:ea typeface="+mn-ea"/>
+                <a:cs typeface="+mn-cs"/>
+              </a:defRPr>
+            </a:lvl1pPr>
+            <a:lvl2pPr marL="740664" indent="-285750" algn="l" rtl="0" eaLnBrk="1" latinLnBrk="0" hangingPunct="1">
+              <a:spcBef>
+                <a:spcPct val="20000"/>
+              </a:spcBef>
+              <a:buClr>
+                <a:schemeClr val="accent2"/>
+              </a:buClr>
+              <a:buSzPct val="90000"/>
+              <a:buFont typeface="Wingdings"/>
+              <a:buChar char=""/>
+              <a:defRPr kumimoji="0" sz="2600" kern="1200">
+                <a:solidFill>
+                  <a:schemeClr val="tx1"/>
+                </a:solidFill>
+                <a:latin typeface="+mn-lt"/>
+                <a:ea typeface="+mn-ea"/>
+                <a:cs typeface="+mn-cs"/>
+              </a:defRPr>
+            </a:lvl2pPr>
+            <a:lvl3pPr marL="996696" indent="-228600" algn="l" rtl="0" eaLnBrk="1" latinLnBrk="0" hangingPunct="1">
+              <a:spcBef>
+                <a:spcPct val="20000"/>
+              </a:spcBef>
+              <a:buClr>
+                <a:schemeClr val="accent2"/>
+              </a:buClr>
+              <a:buFont typeface="Wingdings 2"/>
+              <a:buChar char=""/>
+              <a:defRPr kumimoji="0" sz="2400" kern="1200">
+                <a:solidFill>
+                  <a:schemeClr val="tx1"/>
+                </a:solidFill>
+                <a:latin typeface="+mn-lt"/>
+                <a:ea typeface="+mn-ea"/>
+                <a:cs typeface="+mn-cs"/>
+              </a:defRPr>
+            </a:lvl3pPr>
+            <a:lvl4pPr marL="1261872" indent="-228600" algn="l" rtl="0" eaLnBrk="1" latinLnBrk="0" hangingPunct="1">
+              <a:spcBef>
+                <a:spcPct val="20000"/>
+              </a:spcBef>
+              <a:buClr>
+                <a:schemeClr val="accent3"/>
+              </a:buClr>
+              <a:buFont typeface="Wingdings 3"/>
+              <a:buChar char=""/>
+              <a:defRPr kumimoji="0" sz="2200" kern="1200">
+                <a:solidFill>
+                  <a:schemeClr val="tx1"/>
+                </a:solidFill>
+                <a:latin typeface="+mn-lt"/>
+                <a:ea typeface="+mn-ea"/>
+                <a:cs typeface="+mn-cs"/>
+              </a:defRPr>
+            </a:lvl4pPr>
+            <a:lvl5pPr marL="1481328" indent="-210312" algn="l" rtl="0" eaLnBrk="1" latinLnBrk="0" hangingPunct="1">
+              <a:spcBef>
+                <a:spcPct val="20000"/>
+              </a:spcBef>
+              <a:buClr>
+                <a:schemeClr val="accent3"/>
+              </a:buClr>
+              <a:buFont typeface="Wingdings 2"/>
+              <a:buChar char=""/>
+              <a:defRPr kumimoji="0" sz="2000" kern="1200">
+                <a:solidFill>
+                  <a:schemeClr val="tx1"/>
+                </a:solidFill>
+                <a:latin typeface="+mn-lt"/>
+                <a:ea typeface="+mn-ea"/>
+                <a:cs typeface="+mn-cs"/>
+              </a:defRPr>
+            </a:lvl5pPr>
+            <a:lvl6pPr marL="1709928" indent="-210312" algn="l" rtl="0" eaLnBrk="1" latinLnBrk="0" hangingPunct="1">
+              <a:spcBef>
+                <a:spcPct val="20000"/>
+              </a:spcBef>
+              <a:buClr>
+                <a:schemeClr val="accent3"/>
+              </a:buClr>
+              <a:buFont typeface="Wingdings 2"/>
+              <a:buChar char=""/>
+              <a:defRPr kumimoji="0" sz="1800" kern="1200">
+                <a:solidFill>
+                  <a:schemeClr val="tx1"/>
+                </a:solidFill>
+                <a:latin typeface="+mn-lt"/>
+                <a:ea typeface="+mn-ea"/>
+                <a:cs typeface="+mn-cs"/>
+              </a:defRPr>
+            </a:lvl6pPr>
+            <a:lvl7pPr marL="1901952" indent="-182880" algn="l" rtl="0" eaLnBrk="1" latinLnBrk="0" hangingPunct="1">
+              <a:spcBef>
+                <a:spcPct val="20000"/>
+              </a:spcBef>
+              <a:buClr>
+                <a:schemeClr val="accent4"/>
+              </a:buClr>
+              <a:buFont typeface="Wingdings 2"/>
+              <a:buChar char=""/>
+              <a:defRPr kumimoji="0" sz="1600" kern="1200">
+                <a:solidFill>
+                  <a:schemeClr val="tx1"/>
+                </a:solidFill>
+                <a:latin typeface="+mn-lt"/>
+                <a:ea typeface="+mn-ea"/>
+                <a:cs typeface="+mn-cs"/>
+              </a:defRPr>
+            </a:lvl7pPr>
+            <a:lvl8pPr marL="2093976" indent="-182880" algn="l" rtl="0" eaLnBrk="1" latinLnBrk="0" hangingPunct="1">
+              <a:spcBef>
+                <a:spcPct val="20000"/>
+              </a:spcBef>
+              <a:buClr>
+                <a:schemeClr val="accent4"/>
+              </a:buClr>
+              <a:buFont typeface="Wingdings 2"/>
+              <a:buChar char=""/>
+              <a:defRPr kumimoji="0" sz="1600" kern="1200">
+                <a:solidFill>
+                  <a:schemeClr val="tx1"/>
+                </a:solidFill>
+                <a:latin typeface="+mn-lt"/>
+                <a:ea typeface="+mn-ea"/>
+                <a:cs typeface="+mn-cs"/>
+              </a:defRPr>
+            </a:lvl8pPr>
+            <a:lvl9pPr marL="2286000" indent="-182880" algn="l" rtl="0" eaLnBrk="1" latinLnBrk="0" hangingPunct="1">
+              <a:spcBef>
+                <a:spcPct val="20000"/>
+              </a:spcBef>
+              <a:buClr>
+                <a:schemeClr val="accent4"/>
+              </a:buClr>
+              <a:buFont typeface="Wingdings 2"/>
+              <a:buChar char=""/>
+              <a:defRPr kumimoji="0" sz="1600" kern="1200">
+                <a:solidFill>
+                  <a:schemeClr val="tx1"/>
+                </a:solidFill>
+                <a:latin typeface="+mn-lt"/>
+                <a:ea typeface="+mn-ea"/>
+                <a:cs typeface="+mn-cs"/>
+              </a:defRPr>
+            </a:lvl9pPr>
+            <a:extLst/>
+          </a:lstStyle>
+          <a:p>
+            <a:pPr marL="68580" indent="0">
+              <a:buNone/>
+            </a:pPr>
             <a:r>
               <a:rPr lang="en-US" dirty="0"/>
-              <a:t>Information professionals…</a:t>
+              <a:t>Groups like these from our 2015 GiveCamp…</a:t>
             </a:r>
           </a:p>
           <a:p>
             <a:pPr lvl="1"/>
+            <a:endParaRPr lang="en-US" dirty="0"/>
+          </a:p>
+        </p:txBody>
+      </p:sp>
+      <p:sp>
+        <p:nvSpPr>
+          <p:cNvPr id="5" name="Rectangle 4"/>
+          <p:cNvSpPr/>
+          <p:nvPr/>
+        </p:nvSpPr>
+        <p:spPr>
+          <a:xfrm>
+            <a:off x="304800" y="1981200"/>
+            <a:ext cx="4234543" cy="4524315"/>
+          </a:xfrm>
+          <a:prstGeom prst="rect">
+            <a:avLst/>
+          </a:prstGeom>
+        </p:spPr>
+        <p:txBody>
+          <a:bodyPr wrap="square">
+            <a:spAutoFit/>
+          </a:bodyPr>
+          <a:lstStyle/>
+          <a:p>
+            <a:pPr marL="285750" indent="-285750">
+              <a:buFont typeface="Arial" panose="020B0604020202020204" pitchFamily="34" charset="0"/>
+              <a:buChar char="•"/>
+            </a:pPr>
             <a:r>
               <a:rPr lang="en-US" dirty="0"/>
-              <a:t>Experience with…</a:t>
-            </a:r>
-          </a:p>
-          <a:p>
-            <a:pPr lvl="2"/>
+              <a:t>Hunger Intervention Program</a:t>
+            </a:r>
+          </a:p>
+          <a:p>
+            <a:pPr marL="285750" indent="-285750">
+              <a:buFont typeface="Arial" panose="020B0604020202020204" pitchFamily="34" charset="0"/>
+              <a:buChar char="•"/>
+            </a:pPr>
+            <a:r>
+              <a:rPr lang="en-US" dirty="0" err="1"/>
+              <a:t>OneWorld</a:t>
+            </a:r>
             <a:r>
               <a:rPr lang="en-US" dirty="0"/>
-              <a:t>ASP.NET, PHP, Ruby, …</a:t>
-            </a:r>
-          </a:p>
-          <a:p>
-            <a:pPr lvl="2"/>
+              <a:t> Now!</a:t>
+            </a:r>
+          </a:p>
+          <a:p>
+            <a:pPr marL="285750" indent="-285750">
+              <a:buFont typeface="Arial" panose="020B0604020202020204" pitchFamily="34" charset="0"/>
+              <a:buChar char="•"/>
+            </a:pPr>
             <a:r>
               <a:rPr lang="en-US" dirty="0"/>
-              <a:t>HTML, CSS, AngularJS, jQuery, …</a:t>
-            </a:r>
-          </a:p>
-          <a:p>
-            <a:pPr lvl="2"/>
+              <a:t>Boyer Children’s Clinic</a:t>
+            </a:r>
+          </a:p>
+          <a:p>
+            <a:pPr marL="285750" indent="-285750">
+              <a:buFont typeface="Arial" panose="020B0604020202020204" pitchFamily="34" charset="0"/>
+              <a:buChar char="•"/>
+            </a:pPr>
             <a:r>
               <a:rPr lang="en-US" dirty="0"/>
-              <a:t>Mobile app dev including iPhone, Android, …</a:t>
-            </a:r>
-          </a:p>
-          <a:p>
-            <a:pPr lvl="2"/>
+              <a:t>Changes Parent Support Network</a:t>
+            </a:r>
+          </a:p>
+          <a:p>
+            <a:pPr marL="285750" indent="-285750">
+              <a:buFont typeface="Arial" panose="020B0604020202020204" pitchFamily="34" charset="0"/>
+              <a:buChar char="•"/>
+            </a:pPr>
+            <a:r>
+              <a:rPr lang="en-US" dirty="0"/>
+              <a:t>East African Community Services</a:t>
+            </a:r>
+          </a:p>
+          <a:p>
+            <a:pPr marL="285750" indent="-285750">
+              <a:buFont typeface="Arial" panose="020B0604020202020204" pitchFamily="34" charset="0"/>
+              <a:buChar char="•"/>
+            </a:pPr>
+            <a:r>
+              <a:rPr lang="en-US" dirty="0"/>
+              <a:t>Environment Science Center</a:t>
+            </a:r>
+          </a:p>
+          <a:p>
+            <a:pPr marL="285750" indent="-285750">
+              <a:buFont typeface="Arial" panose="020B0604020202020204" pitchFamily="34" charset="0"/>
+              <a:buChar char="•"/>
+            </a:pPr>
+            <a:r>
+              <a:rPr lang="en-US" dirty="0"/>
+              <a:t>Facing Homelessness</a:t>
+            </a:r>
+          </a:p>
+          <a:p>
+            <a:pPr marL="285750" indent="-285750">
+              <a:buFont typeface="Arial" panose="020B0604020202020204" pitchFamily="34" charset="0"/>
+              <a:buChar char="•"/>
+            </a:pPr>
+            <a:r>
+              <a:rPr lang="en-US" dirty="0"/>
+              <a:t>Global Foundation For Children With Hearing Loss</a:t>
+            </a:r>
+          </a:p>
+          <a:p>
+            <a:pPr marL="285750" indent="-285750">
+              <a:buFont typeface="Arial" panose="020B0604020202020204" pitchFamily="34" charset="0"/>
+              <a:buChar char="•"/>
+            </a:pPr>
+            <a:r>
+              <a:rPr lang="en-US" dirty="0"/>
+              <a:t>Green Plate Special</a:t>
+            </a:r>
+          </a:p>
+          <a:p>
+            <a:pPr marL="285750" indent="-285750">
+              <a:buFont typeface="Arial" panose="020B0604020202020204" pitchFamily="34" charset="0"/>
+              <a:buChar char="•"/>
+            </a:pPr>
             <a:r>
               <a:rPr lang="en-US" dirty="0" err="1"/>
-              <a:t>SalesForce</a:t>
+              <a:t>KCSARC</a:t>
+            </a:r>
+            <a:r>
+              <a:rPr lang="en-US" dirty="0"/>
+              <a:t> (King County Sexual Assault Resource Center)</a:t>
+            </a:r>
+          </a:p>
+          <a:p>
+            <a:pPr marL="285750" indent="-285750">
+              <a:buFont typeface="Arial" panose="020B0604020202020204" pitchFamily="34" charset="0"/>
+              <a:buChar char="•"/>
+            </a:pPr>
+            <a:r>
+              <a:rPr lang="en-US" dirty="0"/>
+              <a:t>La </a:t>
+            </a:r>
+            <a:r>
+              <a:rPr lang="en-US" dirty="0" err="1"/>
+              <a:t>Leche</a:t>
+            </a:r>
+            <a:r>
+              <a:rPr lang="en-US" dirty="0"/>
+              <a:t> League of Washington</a:t>
+            </a:r>
+          </a:p>
+          <a:p>
+            <a:pPr marL="285750" indent="-285750">
+              <a:buFont typeface="Arial" panose="020B0604020202020204" pitchFamily="34" charset="0"/>
+              <a:buChar char="•"/>
+            </a:pPr>
+            <a:r>
+              <a:rPr lang="en-US" dirty="0"/>
+              <a:t>Listen and Talk</a:t>
+            </a:r>
+          </a:p>
+        </p:txBody>
+      </p:sp>
+      <p:sp>
+        <p:nvSpPr>
+          <p:cNvPr id="6" name="Rectangle 5"/>
+          <p:cNvSpPr/>
+          <p:nvPr/>
+        </p:nvSpPr>
+        <p:spPr>
+          <a:xfrm>
+            <a:off x="4539343" y="1989117"/>
+            <a:ext cx="4572000" cy="4247317"/>
+          </a:xfrm>
+          <a:prstGeom prst="rect">
+            <a:avLst/>
+          </a:prstGeom>
+        </p:spPr>
+        <p:txBody>
+          <a:bodyPr>
+            <a:spAutoFit/>
+          </a:bodyPr>
+          <a:lstStyle/>
+          <a:p>
+            <a:pPr marL="285750" indent="-285750">
+              <a:buFont typeface="Arial" panose="020B0604020202020204" pitchFamily="34" charset="0"/>
+              <a:buChar char="•"/>
+            </a:pPr>
+            <a:r>
+              <a:rPr lang="en-US" dirty="0"/>
+              <a:t>Many Lights Foundation</a:t>
+            </a:r>
+          </a:p>
+          <a:p>
+            <a:pPr marL="285750" indent="-285750">
+              <a:buFont typeface="Arial" panose="020B0604020202020204" pitchFamily="34" charset="0"/>
+              <a:buChar char="•"/>
+            </a:pPr>
+            <a:r>
+              <a:rPr lang="en-US" dirty="0"/>
+              <a:t>Meadowbrook Community CARE</a:t>
+            </a:r>
+          </a:p>
+          <a:p>
+            <a:pPr marL="285750" indent="-285750">
+              <a:buFont typeface="Arial" panose="020B0604020202020204" pitchFamily="34" charset="0"/>
+              <a:buChar char="•"/>
+            </a:pPr>
+            <a:r>
+              <a:rPr lang="en-US" dirty="0"/>
+              <a:t>North Helpline</a:t>
+            </a:r>
+          </a:p>
+          <a:p>
+            <a:pPr marL="285750" indent="-285750">
+              <a:buFont typeface="Arial" panose="020B0604020202020204" pitchFamily="34" charset="0"/>
+              <a:buChar char="•"/>
+            </a:pPr>
+            <a:r>
+              <a:rPr lang="en-US" dirty="0"/>
+              <a:t>Page Ahead Children's Literacy Program</a:t>
+            </a:r>
+          </a:p>
+          <a:p>
+            <a:pPr marL="285750" indent="-285750">
+              <a:buFont typeface="Arial" panose="020B0604020202020204" pitchFamily="34" charset="0"/>
+              <a:buChar char="•"/>
+            </a:pPr>
+            <a:r>
+              <a:rPr lang="en-US" dirty="0"/>
+              <a:t>Puget Sound Old Lesbians Organizing for Change</a:t>
+            </a:r>
+          </a:p>
+          <a:p>
+            <a:pPr marL="285750" indent="-285750">
+              <a:buFont typeface="Arial" panose="020B0604020202020204" pitchFamily="34" charset="0"/>
+              <a:buChar char="•"/>
+            </a:pPr>
+            <a:r>
+              <a:rPr lang="en-US" dirty="0"/>
+              <a:t>PUP Dog Rescue</a:t>
+            </a:r>
+          </a:p>
+          <a:p>
+            <a:pPr marL="285750" indent="-285750">
+              <a:buFont typeface="Arial" panose="020B0604020202020204" pitchFamily="34" charset="0"/>
+              <a:buChar char="•"/>
+            </a:pPr>
+            <a:r>
+              <a:rPr lang="en-US" dirty="0"/>
+              <a:t>Queer Foundation</a:t>
+            </a:r>
+          </a:p>
+          <a:p>
+            <a:pPr marL="285750" indent="-285750">
+              <a:buFont typeface="Arial" panose="020B0604020202020204" pitchFamily="34" charset="0"/>
+              <a:buChar char="•"/>
+            </a:pPr>
+            <a:r>
+              <a:rPr lang="en-US" dirty="0"/>
+              <a:t>Rotary First Harvest</a:t>
+            </a:r>
+          </a:p>
+          <a:p>
+            <a:pPr marL="285750" indent="-285750">
+              <a:buFont typeface="Arial" panose="020B0604020202020204" pitchFamily="34" charset="0"/>
+              <a:buChar char="•"/>
+            </a:pPr>
+            <a:r>
+              <a:rPr lang="en-US" dirty="0" err="1"/>
+              <a:t>Seavuria</a:t>
             </a:r>
             <a:endParaRPr lang="en-US" dirty="0"/>
           </a:p>
           <a:p>
-            <a:pPr lvl="2"/>
+            <a:pPr marL="285750" indent="-285750">
+              <a:buFont typeface="Arial" panose="020B0604020202020204" pitchFamily="34" charset="0"/>
+              <a:buChar char="•"/>
+            </a:pPr>
             <a:r>
               <a:rPr lang="en-US" dirty="0"/>
-              <a:t>Little Green Light</a:t>
-            </a:r>
-          </a:p>
-          <a:p>
-            <a:pPr lvl="2"/>
+              <a:t>TB </a:t>
+            </a:r>
+            <a:r>
+              <a:rPr lang="en-US" dirty="0" err="1"/>
+              <a:t>Photovoice</a:t>
+            </a:r>
+            <a:endParaRPr lang="en-US" dirty="0"/>
+          </a:p>
+          <a:p>
+            <a:pPr marL="285750" indent="-285750">
+              <a:buFont typeface="Arial" panose="020B0604020202020204" pitchFamily="34" charset="0"/>
+              <a:buChar char="•"/>
+            </a:pPr>
             <a:r>
               <a:rPr lang="en-US" dirty="0"/>
-              <a:t>Facebook, Twitter, Social Media, …</a:t>
-            </a:r>
-          </a:p>
-          <a:p>
-            <a:pPr lvl="2"/>
-            <a:r>
-              <a:rPr lang="en-US" dirty="0" err="1"/>
-              <a:t>Wordpress</a:t>
-            </a:r>
+              <a:t>Washington State Parks Foundation</a:t>
+            </a:r>
+          </a:p>
+          <a:p>
+            <a:pPr marL="285750" indent="-285750">
+              <a:buFont typeface="Arial" panose="020B0604020202020204" pitchFamily="34" charset="0"/>
+              <a:buChar char="•"/>
+            </a:pPr>
             <a:r>
               <a:rPr lang="en-US" dirty="0"/>
-              <a:t>, </a:t>
-            </a:r>
-            <a:r>
-              <a:rPr lang="en-US" dirty="0" err="1"/>
-              <a:t>Wix</a:t>
-            </a:r>
+              <a:t>Young Shakespeare</a:t>
+            </a:r>
+          </a:p>
+          <a:p>
+            <a:pPr marL="285750" indent="-285750">
+              <a:buFont typeface="Arial" panose="020B0604020202020204" pitchFamily="34" charset="0"/>
+              <a:buChar char="•"/>
+            </a:pPr>
             <a:r>
               <a:rPr lang="en-US" dirty="0"/>
-              <a:t>, </a:t>
-            </a:r>
-            <a:r>
-              <a:rPr lang="en-US" dirty="0" err="1"/>
-              <a:t>Weebly</a:t>
-            </a:r>
-            <a:r>
-              <a:rPr lang="en-US" dirty="0"/>
-              <a:t>, …</a:t>
-            </a:r>
-          </a:p>
-          <a:p>
-            <a:pPr lvl="2"/>
-            <a:r>
-              <a:rPr lang="en-US" dirty="0"/>
-              <a:t>C#, VB, Java, MS Access, …</a:t>
-            </a:r>
-          </a:p>
-          <a:p>
-            <a:pPr lvl="2"/>
-            <a:r>
-              <a:rPr lang="en-US" dirty="0"/>
-              <a:t>Other stuff we forgot to mention…</a:t>
-            </a:r>
-          </a:p>
-          <a:p>
-            <a:pPr lvl="2"/>
-            <a:r>
-              <a:rPr lang="en-US" dirty="0"/>
-              <a:t>Willingness to be flexible!</a:t>
-            </a:r>
-          </a:p>
-          <a:p>
-            <a:pPr lvl="1"/>
-            <a:r>
-              <a:rPr lang="en-US" dirty="0"/>
-              <a:t>All roles</a:t>
-            </a:r>
-          </a:p>
-          <a:p>
-            <a:pPr lvl="2"/>
-            <a:r>
-              <a:rPr lang="en-US" dirty="0"/>
-              <a:t>Software developers, project managers, web designers, social media experts, testers, database pros, …</a:t>
+              <a:t>Workshop Youth in Focus</a:t>
             </a:r>
           </a:p>
         </p:txBody>
@@ -7346,7 +7749,7 @@
     </p:spTree>
     <p:extLst>
       <p:ext uri="{BB962C8B-B14F-4D97-AF65-F5344CB8AC3E}">
-        <p14:creationId xmlns:p14="http://schemas.microsoft.com/office/powerpoint/2010/main" val="4082466420"/>
+        <p14:creationId xmlns:p14="http://schemas.microsoft.com/office/powerpoint/2010/main" val="3087861599"/>
       </p:ext>
     </p:extLst>
   </p:cSld>
@@ -7388,55 +7791,158 @@
           <a:bodyPr/>
           <a:lstStyle/>
           <a:p>
-            <a:endParaRPr lang="en-US"/>
-          </a:p>
-        </p:txBody>
-      </p:sp>
-      <p:pic>
-        <p:nvPicPr>
-          <p:cNvPr id="2051" name="Picture 3" descr="D:\SeattleGiveCamp\seattle_givecamp_JanPics\Seattle GiveCamp-7.jpg"/>
-          <p:cNvPicPr>
-            <a:picLocks noChangeAspect="1" noChangeArrowheads="1"/>
-          </p:cNvPicPr>
-          <p:nvPr/>
-        </p:nvPicPr>
-        <p:blipFill>
-          <a:blip r:embed="rId3" cstate="print">
-            <a:extLst>
-              <a:ext uri="{28A0092B-C50C-407E-A947-70E740481C1C}">
-                <a14:useLocalDpi xmlns:a14="http://schemas.microsoft.com/office/drawing/2010/main" val="0"/>
-              </a:ext>
-            </a:extLst>
-          </a:blip>
-          <a:srcRect/>
-          <a:stretch>
-            <a:fillRect/>
-          </a:stretch>
-        </p:blipFill>
-        <p:spPr bwMode="auto">
+            <a:r>
+              <a:rPr lang="en-US" dirty="0"/>
+              <a:t>Who Do We Need?</a:t>
+            </a:r>
+          </a:p>
+        </p:txBody>
+      </p:sp>
+      <p:sp>
+        <p:nvSpPr>
+          <p:cNvPr id="3" name="Content Placeholder 2"/>
+          <p:cNvSpPr>
+            <a:spLocks noGrp="1"/>
+          </p:cNvSpPr>
+          <p:nvPr>
+            <p:ph idx="1"/>
+          </p:nvPr>
+        </p:nvSpPr>
+        <p:spPr>
           <a:xfrm>
-            <a:off x="-2759075" y="-1035050"/>
-            <a:ext cx="13069888" cy="8680450"/>
-          </a:xfrm>
-          <a:prstGeom prst="rect">
-            <a:avLst/>
-          </a:prstGeom>
-          <a:noFill/>
-          <a:extLst>
-            <a:ext uri="{909E8E84-426E-40DD-AFC4-6F175D3DCCD1}">
-              <a14:hiddenFill xmlns:a14="http://schemas.microsoft.com/office/drawing/2010/main">
-                <a:solidFill>
-                  <a:srgbClr val="FFFFFF"/>
-                </a:solidFill>
-              </a14:hiddenFill>
-            </a:ext>
-          </a:extLst>
-        </p:spPr>
-      </p:pic>
+            <a:off x="762000" y="1371600"/>
+            <a:ext cx="8229600" cy="4983960"/>
+          </a:xfrm>
+        </p:spPr>
+        <p:txBody>
+          <a:bodyPr>
+            <a:normAutofit fontScale="85000" lnSpcReduction="20000"/>
+          </a:bodyPr>
+          <a:lstStyle/>
+          <a:p>
+            <a:r>
+              <a:rPr lang="en-US" dirty="0"/>
+              <a:t>Information professionals…</a:t>
+            </a:r>
+          </a:p>
+          <a:p>
+            <a:pPr lvl="1"/>
+            <a:r>
+              <a:rPr lang="en-US" dirty="0"/>
+              <a:t>Experience with…</a:t>
+            </a:r>
+          </a:p>
+          <a:p>
+            <a:pPr lvl="2"/>
+            <a:r>
+              <a:rPr lang="en-US" dirty="0"/>
+              <a:t>ASP.NET, PHP, Ruby, …</a:t>
+            </a:r>
+          </a:p>
+          <a:p>
+            <a:pPr lvl="2"/>
+            <a:r>
+              <a:rPr lang="en-US" dirty="0"/>
+              <a:t>HTML, CSS, AngularJS, jQuery, …</a:t>
+            </a:r>
+          </a:p>
+          <a:p>
+            <a:pPr lvl="2"/>
+            <a:r>
+              <a:rPr lang="en-US" dirty="0"/>
+              <a:t>Mobile app dev including iPhone, Android, …</a:t>
+            </a:r>
+          </a:p>
+          <a:p>
+            <a:pPr lvl="2"/>
+            <a:r>
+              <a:rPr lang="en-US" dirty="0" err="1"/>
+              <a:t>SalesForce</a:t>
+            </a:r>
+            <a:endParaRPr lang="en-US" dirty="0"/>
+          </a:p>
+          <a:p>
+            <a:pPr lvl="2"/>
+            <a:r>
+              <a:rPr lang="en-US" dirty="0"/>
+              <a:t>Little Green Light</a:t>
+            </a:r>
+          </a:p>
+          <a:p>
+            <a:pPr lvl="2"/>
+            <a:r>
+              <a:rPr lang="en-US" dirty="0"/>
+              <a:t>Facebook, Twitter, Social Media, …</a:t>
+            </a:r>
+          </a:p>
+          <a:p>
+            <a:pPr lvl="2"/>
+            <a:r>
+              <a:rPr lang="en-US" dirty="0" err="1"/>
+              <a:t>Wordpress</a:t>
+            </a:r>
+            <a:r>
+              <a:rPr lang="en-US" dirty="0"/>
+              <a:t>, </a:t>
+            </a:r>
+            <a:r>
+              <a:rPr lang="en-US" dirty="0" err="1"/>
+              <a:t>Wix</a:t>
+            </a:r>
+            <a:r>
+              <a:rPr lang="en-US" dirty="0"/>
+              <a:t>, </a:t>
+            </a:r>
+            <a:r>
+              <a:rPr lang="en-US" dirty="0" err="1"/>
+              <a:t>Weebly</a:t>
+            </a:r>
+            <a:r>
+              <a:rPr lang="en-US" dirty="0"/>
+              <a:t>, …</a:t>
+            </a:r>
+          </a:p>
+          <a:p>
+            <a:pPr lvl="2"/>
+            <a:r>
+              <a:rPr lang="en-US" dirty="0"/>
+              <a:t>C#, VB, Java, MS Access, …</a:t>
+            </a:r>
+          </a:p>
+          <a:p>
+            <a:pPr lvl="2"/>
+            <a:r>
+              <a:rPr lang="en-US" dirty="0"/>
+              <a:t>Other stuff we forgot to mention…</a:t>
+            </a:r>
+          </a:p>
+          <a:p>
+            <a:pPr lvl="2"/>
+            <a:r>
+              <a:rPr lang="en-US" dirty="0"/>
+              <a:t>Willingness to be flexible!</a:t>
+            </a:r>
+          </a:p>
+          <a:p>
+            <a:pPr lvl="1"/>
+            <a:r>
+              <a:rPr lang="en-US" dirty="0"/>
+              <a:t>All roles</a:t>
+            </a:r>
+          </a:p>
+          <a:p>
+            <a:pPr lvl="2"/>
+            <a:r>
+              <a:rPr lang="en-US" dirty="0"/>
+              <a:t>Software developers, project managers, web designers, social media experts, testers, database pros, …</a:t>
+            </a:r>
+          </a:p>
+        </p:txBody>
+      </p:sp>
     </p:spTree>
     <p:extLst>
       <p:ext uri="{BB962C8B-B14F-4D97-AF65-F5344CB8AC3E}">
-        <p14:creationId xmlns:p14="http://schemas.microsoft.com/office/powerpoint/2010/main" val="3016052859"/>
+        <p14:creationId xmlns:p14="http://schemas.microsoft.com/office/powerpoint/2010/main" val="4082466420"/>
       </p:ext>
     </p:extLst>
   </p:cSld>
@@ -7478,93 +7984,7 @@
           <a:bodyPr/>
           <a:lstStyle/>
           <a:p>
-            <a:r>
-              <a:rPr lang="en-US" dirty="0"/>
-              <a:t>Volunteering</a:t>
-            </a:r>
-          </a:p>
-        </p:txBody>
-      </p:sp>
-      <p:sp>
-        <p:nvSpPr>
-          <p:cNvPr id="3" name="Content Placeholder 2"/>
-          <p:cNvSpPr>
-            <a:spLocks noGrp="1"/>
-          </p:cNvSpPr>
-          <p:nvPr>
-            <p:ph idx="1"/>
-          </p:nvPr>
-        </p:nvSpPr>
-        <p:spPr/>
-        <p:txBody>
-          <a:bodyPr>
-            <a:normAutofit lnSpcReduction="10000"/>
-          </a:bodyPr>
-          <a:lstStyle/>
-          <a:p>
-            <a:r>
-              <a:rPr lang="en-US" dirty="0"/>
-              <a:t>When? </a:t>
-            </a:r>
-          </a:p>
-          <a:p>
-            <a:pPr lvl="1"/>
-            <a:r>
-              <a:rPr lang="en-US" dirty="0"/>
-              <a:t>Fri (6pm)–Sun (6pm), Oct 14-16, 2016</a:t>
-            </a:r>
-          </a:p>
-          <a:p>
-            <a:pPr lvl="1"/>
-            <a:r>
-              <a:rPr lang="en-US" dirty="0"/>
-              <a:t>You can commit to 1-3 days</a:t>
-            </a:r>
-          </a:p>
-          <a:p>
-            <a:r>
-              <a:rPr lang="en-US" dirty="0"/>
-              <a:t>Where? </a:t>
-            </a:r>
-          </a:p>
-          <a:p>
-            <a:pPr lvl="1"/>
-            <a:r>
-              <a:rPr lang="en-US" dirty="0"/>
-              <a:t>Microsoft Commons, Redmond</a:t>
-            </a:r>
-          </a:p>
-          <a:p>
-            <a:pPr lvl="1"/>
-            <a:r>
-              <a:rPr lang="en-US" dirty="0"/>
-              <a:t>Free food and drink and a place to crank out killer apps for good</a:t>
-            </a:r>
-          </a:p>
-          <a:p>
-            <a:r>
-              <a:rPr lang="en-US" dirty="0"/>
-              <a:t>How?</a:t>
-            </a:r>
-          </a:p>
-          <a:p>
-            <a:pPr lvl="1"/>
-            <a:r>
-              <a:rPr lang="en-US" dirty="0"/>
-              <a:t>Go to </a:t>
-            </a:r>
-            <a:r>
-              <a:rPr lang="en-US" b="1" u="sng" dirty="0">
-                <a:solidFill>
-                  <a:srgbClr val="92D050"/>
-                </a:solidFill>
-              </a:rPr>
-              <a:t>seattlegivecamp.org</a:t>
-            </a:r>
-            <a:r>
-              <a:rPr lang="en-US" dirty="0"/>
-              <a:t> and click on the Volunteer link</a:t>
-            </a:r>
+            <a:endParaRPr lang="en-US"/>
           </a:p>
         </p:txBody>
       </p:sp>
@@ -7590,8 +8010,98 @@
         </p:blipFill>
         <p:spPr>
           <a:xfrm>
-            <a:off x="5562600" y="228600"/>
-            <a:ext cx="2983201" cy="1724290"/>
+            <a:off x="0" y="0"/>
+            <a:ext cx="4591050" cy="3429000"/>
+          </a:xfrm>
+          <a:prstGeom prst="rect">
+            <a:avLst/>
+          </a:prstGeom>
+        </p:spPr>
+      </p:pic>
+      <p:pic>
+        <p:nvPicPr>
+          <p:cNvPr id="6" name="Picture 5"/>
+          <p:cNvPicPr>
+            <a:picLocks noChangeAspect="1"/>
+          </p:cNvPicPr>
+          <p:nvPr/>
+        </p:nvPicPr>
+        <p:blipFill>
+          <a:blip r:embed="rId4">
+            <a:extLst>
+              <a:ext uri="{28A0092B-C50C-407E-A947-70E740481C1C}">
+                <a14:useLocalDpi xmlns:a14="http://schemas.microsoft.com/office/drawing/2010/main" val="0"/>
+              </a:ext>
+            </a:extLst>
+          </a:blip>
+          <a:stretch>
+            <a:fillRect/>
+          </a:stretch>
+        </p:blipFill>
+        <p:spPr>
+          <a:xfrm>
+            <a:off x="4591050" y="16764"/>
+            <a:ext cx="4552950" cy="3412236"/>
+          </a:xfrm>
+          <a:prstGeom prst="rect">
+            <a:avLst/>
+          </a:prstGeom>
+        </p:spPr>
+      </p:pic>
+      <p:pic>
+        <p:nvPicPr>
+          <p:cNvPr id="7" name="Picture 6"/>
+          <p:cNvPicPr>
+            <a:picLocks noChangeAspect="1"/>
+          </p:cNvPicPr>
+          <p:nvPr/>
+        </p:nvPicPr>
+        <p:blipFill>
+          <a:blip r:embed="rId5">
+            <a:extLst>
+              <a:ext uri="{28A0092B-C50C-407E-A947-70E740481C1C}">
+                <a14:useLocalDpi xmlns:a14="http://schemas.microsoft.com/office/drawing/2010/main" val="0"/>
+              </a:ext>
+            </a:extLst>
+          </a:blip>
+          <a:stretch>
+            <a:fillRect/>
+          </a:stretch>
+        </p:blipFill>
+        <p:spPr>
+          <a:xfrm>
+            <a:off x="0" y="3429000"/>
+            <a:ext cx="4800600" cy="3417237"/>
+          </a:xfrm>
+          <a:prstGeom prst="rect">
+            <a:avLst/>
+          </a:prstGeom>
+        </p:spPr>
+      </p:pic>
+      <p:pic>
+        <p:nvPicPr>
+          <p:cNvPr id="8" name="Picture 7"/>
+          <p:cNvPicPr>
+            <a:picLocks noChangeAspect="1"/>
+          </p:cNvPicPr>
+          <p:nvPr/>
+        </p:nvPicPr>
+        <p:blipFill>
+          <a:blip r:embed="rId6">
+            <a:extLst>
+              <a:ext uri="{28A0092B-C50C-407E-A947-70E740481C1C}">
+                <a14:useLocalDpi xmlns:a14="http://schemas.microsoft.com/office/drawing/2010/main" val="0"/>
+              </a:ext>
+            </a:extLst>
+          </a:blip>
+          <a:stretch>
+            <a:fillRect/>
+          </a:stretch>
+        </p:blipFill>
+        <p:spPr>
+          <a:xfrm>
+            <a:off x="4800600" y="3445763"/>
+            <a:ext cx="4343400" cy="3400473"/>
           </a:xfrm>
           <a:prstGeom prst="rect">
             <a:avLst/>
@@ -7601,7 +8111,7 @@
     </p:spTree>
     <p:extLst>
       <p:ext uri="{BB962C8B-B14F-4D97-AF65-F5344CB8AC3E}">
-        <p14:creationId xmlns:p14="http://schemas.microsoft.com/office/powerpoint/2010/main" val="2908078822"/>
+        <p14:creationId xmlns:p14="http://schemas.microsoft.com/office/powerpoint/2010/main" val="3016052859"/>
       </p:ext>
     </p:extLst>
   </p:cSld>
@@ -7643,6 +8153,171 @@
           <a:bodyPr/>
           <a:lstStyle/>
           <a:p>
+            <a:r>
+              <a:rPr lang="en-US" dirty="0"/>
+              <a:t>Volunteering</a:t>
+            </a:r>
+          </a:p>
+        </p:txBody>
+      </p:sp>
+      <p:sp>
+        <p:nvSpPr>
+          <p:cNvPr id="3" name="Content Placeholder 2"/>
+          <p:cNvSpPr>
+            <a:spLocks noGrp="1"/>
+          </p:cNvSpPr>
+          <p:nvPr>
+            <p:ph idx="1"/>
+          </p:nvPr>
+        </p:nvSpPr>
+        <p:spPr/>
+        <p:txBody>
+          <a:bodyPr>
+            <a:normAutofit lnSpcReduction="10000"/>
+          </a:bodyPr>
+          <a:lstStyle/>
+          <a:p>
+            <a:r>
+              <a:rPr lang="en-US" dirty="0"/>
+              <a:t>When? </a:t>
+            </a:r>
+          </a:p>
+          <a:p>
+            <a:pPr lvl="1"/>
+            <a:r>
+              <a:rPr lang="en-US" dirty="0"/>
+              <a:t>Fri (6pm)–Sun (6pm), Oct 14-16, 2016</a:t>
+            </a:r>
+          </a:p>
+          <a:p>
+            <a:pPr lvl="1"/>
+            <a:r>
+              <a:rPr lang="en-US" dirty="0"/>
+              <a:t>You can commit to 1-3 days</a:t>
+            </a:r>
+          </a:p>
+          <a:p>
+            <a:r>
+              <a:rPr lang="en-US" dirty="0"/>
+              <a:t>Where? </a:t>
+            </a:r>
+          </a:p>
+          <a:p>
+            <a:pPr lvl="1"/>
+            <a:r>
+              <a:rPr lang="en-US" dirty="0"/>
+              <a:t>Microsoft Commons, Redmond</a:t>
+            </a:r>
+          </a:p>
+          <a:p>
+            <a:pPr lvl="1"/>
+            <a:r>
+              <a:rPr lang="en-US" dirty="0"/>
+              <a:t>Free food and drink and a place to crank out killer apps for good</a:t>
+            </a:r>
+          </a:p>
+          <a:p>
+            <a:r>
+              <a:rPr lang="en-US" dirty="0"/>
+              <a:t>How?</a:t>
+            </a:r>
+          </a:p>
+          <a:p>
+            <a:pPr lvl="1"/>
+            <a:r>
+              <a:rPr lang="en-US" dirty="0"/>
+              <a:t>Go to </a:t>
+            </a:r>
+            <a:r>
+              <a:rPr lang="en-US" b="1" u="sng" dirty="0">
+                <a:solidFill>
+                  <a:srgbClr val="92D050"/>
+                </a:solidFill>
+              </a:rPr>
+              <a:t>seattlegivecamp.org</a:t>
+            </a:r>
+            <a:r>
+              <a:rPr lang="en-US" dirty="0"/>
+              <a:t> and click on the Volunteer link</a:t>
+            </a:r>
+          </a:p>
+        </p:txBody>
+      </p:sp>
+      <p:pic>
+        <p:nvPicPr>
+          <p:cNvPr id="5" name="Picture 4"/>
+          <p:cNvPicPr>
+            <a:picLocks noChangeAspect="1"/>
+          </p:cNvPicPr>
+          <p:nvPr/>
+        </p:nvPicPr>
+        <p:blipFill>
+          <a:blip r:embed="rId3">
+            <a:extLst>
+              <a:ext uri="{28A0092B-C50C-407E-A947-70E740481C1C}">
+                <a14:useLocalDpi xmlns:a14="http://schemas.microsoft.com/office/drawing/2010/main" val="0"/>
+              </a:ext>
+            </a:extLst>
+          </a:blip>
+          <a:stretch>
+            <a:fillRect/>
+          </a:stretch>
+        </p:blipFill>
+        <p:spPr>
+          <a:xfrm>
+            <a:off x="5562600" y="228600"/>
+            <a:ext cx="2983201" cy="1724290"/>
+          </a:xfrm>
+          <a:prstGeom prst="rect">
+            <a:avLst/>
+          </a:prstGeom>
+        </p:spPr>
+      </p:pic>
+    </p:spTree>
+    <p:extLst>
+      <p:ext uri="{BB962C8B-B14F-4D97-AF65-F5344CB8AC3E}">
+        <p14:creationId xmlns:p14="http://schemas.microsoft.com/office/powerpoint/2010/main" val="2908078822"/>
+      </p:ext>
+    </p:extLst>
+  </p:cSld>
+  <p:clrMapOvr>
+    <a:masterClrMapping/>
+  </p:clrMapOvr>
+</p:sld>
+</file>
+
+<file path=ppt/slides/slide8.xml><?xml version="1.0" encoding="utf-8"?>
+<p:sld xmlns:a="http://schemas.openxmlformats.org/drawingml/2006/main" xmlns:r="http://schemas.openxmlformats.org/officeDocument/2006/relationships" xmlns:p="http://schemas.openxmlformats.org/presentationml/2006/main">
+  <p:cSld>
+    <p:spTree>
+      <p:nvGrpSpPr>
+        <p:cNvPr id="1" name=""/>
+        <p:cNvGrpSpPr/>
+        <p:nvPr/>
+      </p:nvGrpSpPr>
+      <p:grpSpPr>
+        <a:xfrm>
+          <a:off x="0" y="0"/>
+          <a:ext cx="0" cy="0"/>
+          <a:chOff x="0" y="0"/>
+          <a:chExt cx="0" cy="0"/>
+        </a:xfrm>
+      </p:grpSpPr>
+      <p:sp>
+        <p:nvSpPr>
+          <p:cNvPr id="2" name="Title 1"/>
+          <p:cNvSpPr>
+            <a:spLocks noGrp="1"/>
+          </p:cNvSpPr>
+          <p:nvPr>
+            <p:ph type="title"/>
+          </p:nvPr>
+        </p:nvSpPr>
+        <p:spPr/>
+        <p:txBody>
+          <a:bodyPr/>
+          <a:lstStyle/>
+          <a:p>
             <a:endParaRPr lang="en-US"/>
           </a:p>
         </p:txBody>
@@ -7701,7 +8376,7 @@
 </p:sld>
 </file>
 
-<file path=ppt/slides/slide8.xml><?xml version="1.0" encoding="utf-8"?>
+<file path=ppt/slides/slide9.xml><?xml version="1.0" encoding="utf-8"?>
 <p:sld xmlns:a="http://schemas.openxmlformats.org/drawingml/2006/main" xmlns:r="http://schemas.openxmlformats.org/officeDocument/2006/relationships" xmlns:p="http://schemas.openxmlformats.org/presentationml/2006/main">
   <p:cSld>
     <p:spTree>
